--- a/_static/MacManes_transcriptome.pptx
+++ b/_static/MacManes_transcriptome.pptx
@@ -5,21 +5,26 @@
     <p:sldMasterId id="2147484385" r:id="rId1"/>
   </p:sldMasterIdLst>
   <p:notesMasterIdLst>
-    <p:notesMasterId r:id="rId11"/>
+    <p:notesMasterId r:id="rId16"/>
   </p:notesMasterIdLst>
   <p:handoutMasterIdLst>
-    <p:handoutMasterId r:id="rId12"/>
+    <p:handoutMasterId r:id="rId17"/>
   </p:handoutMasterIdLst>
   <p:sldIdLst>
     <p:sldId id="481" r:id="rId2"/>
     <p:sldId id="490" r:id="rId3"/>
-    <p:sldId id="491" r:id="rId4"/>
-    <p:sldId id="492" r:id="rId5"/>
-    <p:sldId id="489" r:id="rId6"/>
-    <p:sldId id="482" r:id="rId7"/>
-    <p:sldId id="483" r:id="rId8"/>
-    <p:sldId id="484" r:id="rId9"/>
-    <p:sldId id="488" r:id="rId10"/>
+    <p:sldId id="489" r:id="rId4"/>
+    <p:sldId id="482" r:id="rId5"/>
+    <p:sldId id="495" r:id="rId6"/>
+    <p:sldId id="496" r:id="rId7"/>
+    <p:sldId id="491" r:id="rId8"/>
+    <p:sldId id="493" r:id="rId9"/>
+    <p:sldId id="494" r:id="rId10"/>
+    <p:sldId id="492" r:id="rId11"/>
+    <p:sldId id="499" r:id="rId12"/>
+    <p:sldId id="497" r:id="rId13"/>
+    <p:sldId id="498" r:id="rId14"/>
+    <p:sldId id="488" r:id="rId15"/>
   </p:sldIdLst>
   <p:sldSz cx="6858000" cy="5143500"/>
   <p:notesSz cx="6858000" cy="9144000"/>
@@ -757,6 +762,451 @@
 </p:notes>
 </file>
 
+<file path=ppt/notesSlides/notesSlide10.xml><?xml version="1.0" encoding="utf-8"?>
+<p:notes xmlns:a="http://schemas.openxmlformats.org/drawingml/2006/main" xmlns:r="http://schemas.openxmlformats.org/officeDocument/2006/relationships" xmlns:p="http://schemas.openxmlformats.org/presentationml/2006/main">
+  <p:cSld>
+    <p:spTree>
+      <p:nvGrpSpPr>
+        <p:cNvPr id="1" name=""/>
+        <p:cNvGrpSpPr/>
+        <p:nvPr/>
+      </p:nvGrpSpPr>
+      <p:grpSpPr>
+        <a:xfrm>
+          <a:off x="0" y="0"/>
+          <a:ext cx="0" cy="0"/>
+          <a:chOff x="0" y="0"/>
+          <a:chExt cx="0" cy="0"/>
+        </a:xfrm>
+      </p:grpSpPr>
+      <p:sp>
+        <p:nvSpPr>
+          <p:cNvPr id="2" name="Slide Image Placeholder 1"/>
+          <p:cNvSpPr>
+            <a:spLocks noGrp="1" noRot="1" noChangeAspect="1"/>
+          </p:cNvSpPr>
+          <p:nvPr>
+            <p:ph type="sldImg"/>
+          </p:nvPr>
+        </p:nvSpPr>
+        <p:spPr>
+          <a:xfrm>
+            <a:off x="1143000" y="685800"/>
+            <a:ext cx="4572000" cy="3429000"/>
+          </a:xfrm>
+        </p:spPr>
+      </p:sp>
+      <p:sp>
+        <p:nvSpPr>
+          <p:cNvPr id="3" name="Notes Placeholder 2"/>
+          <p:cNvSpPr>
+            <a:spLocks noGrp="1"/>
+          </p:cNvSpPr>
+          <p:nvPr>
+            <p:ph type="body" idx="1"/>
+          </p:nvPr>
+        </p:nvSpPr>
+        <p:spPr/>
+        <p:txBody>
+          <a:bodyPr/>
+          <a:lstStyle/>
+          <a:p>
+            <a:endParaRPr lang="en-US" dirty="0"/>
+          </a:p>
+        </p:txBody>
+      </p:sp>
+      <p:sp>
+        <p:nvSpPr>
+          <p:cNvPr id="4" name="Slide Number Placeholder 3"/>
+          <p:cNvSpPr>
+            <a:spLocks noGrp="1"/>
+          </p:cNvSpPr>
+          <p:nvPr>
+            <p:ph type="sldNum" sz="quarter" idx="10"/>
+          </p:nvPr>
+        </p:nvSpPr>
+        <p:spPr/>
+        <p:txBody>
+          <a:bodyPr/>
+          <a:lstStyle/>
+          <a:p>
+            <a:fld id="{18427A96-B778-4545-889E-C8BA695B80B4}" type="slidenum">
+              <a:rPr lang="en-US" smtClean="0"/>
+              <a:t>10</a:t>
+            </a:fld>
+            <a:endParaRPr lang="en-US"/>
+          </a:p>
+        </p:txBody>
+      </p:sp>
+    </p:spTree>
+    <p:extLst>
+      <p:ext uri="{BB962C8B-B14F-4D97-AF65-F5344CB8AC3E}">
+        <p14:creationId xmlns:p14="http://schemas.microsoft.com/office/powerpoint/2010/main" val="811650848"/>
+      </p:ext>
+    </p:extLst>
+  </p:cSld>
+  <p:clrMapOvr>
+    <a:masterClrMapping/>
+  </p:clrMapOvr>
+</p:notes>
+</file>
+
+<file path=ppt/notesSlides/notesSlide11.xml><?xml version="1.0" encoding="utf-8"?>
+<p:notes xmlns:a="http://schemas.openxmlformats.org/drawingml/2006/main" xmlns:r="http://schemas.openxmlformats.org/officeDocument/2006/relationships" xmlns:p="http://schemas.openxmlformats.org/presentationml/2006/main">
+  <p:cSld>
+    <p:spTree>
+      <p:nvGrpSpPr>
+        <p:cNvPr id="1" name=""/>
+        <p:cNvGrpSpPr/>
+        <p:nvPr/>
+      </p:nvGrpSpPr>
+      <p:grpSpPr>
+        <a:xfrm>
+          <a:off x="0" y="0"/>
+          <a:ext cx="0" cy="0"/>
+          <a:chOff x="0" y="0"/>
+          <a:chExt cx="0" cy="0"/>
+        </a:xfrm>
+      </p:grpSpPr>
+      <p:sp>
+        <p:nvSpPr>
+          <p:cNvPr id="2" name="Slide Image Placeholder 1"/>
+          <p:cNvSpPr>
+            <a:spLocks noGrp="1" noRot="1" noChangeAspect="1"/>
+          </p:cNvSpPr>
+          <p:nvPr>
+            <p:ph type="sldImg"/>
+          </p:nvPr>
+        </p:nvSpPr>
+        <p:spPr>
+          <a:xfrm>
+            <a:off x="1143000" y="685800"/>
+            <a:ext cx="4572000" cy="3429000"/>
+          </a:xfrm>
+        </p:spPr>
+      </p:sp>
+      <p:sp>
+        <p:nvSpPr>
+          <p:cNvPr id="3" name="Notes Placeholder 2"/>
+          <p:cNvSpPr>
+            <a:spLocks noGrp="1"/>
+          </p:cNvSpPr>
+          <p:nvPr>
+            <p:ph type="body" idx="1"/>
+          </p:nvPr>
+        </p:nvSpPr>
+        <p:spPr/>
+        <p:txBody>
+          <a:bodyPr/>
+          <a:lstStyle/>
+          <a:p>
+            <a:endParaRPr lang="en-US" dirty="0"/>
+          </a:p>
+        </p:txBody>
+      </p:sp>
+      <p:sp>
+        <p:nvSpPr>
+          <p:cNvPr id="4" name="Slide Number Placeholder 3"/>
+          <p:cNvSpPr>
+            <a:spLocks noGrp="1"/>
+          </p:cNvSpPr>
+          <p:nvPr>
+            <p:ph type="sldNum" sz="quarter" idx="10"/>
+          </p:nvPr>
+        </p:nvSpPr>
+        <p:spPr/>
+        <p:txBody>
+          <a:bodyPr/>
+          <a:lstStyle/>
+          <a:p>
+            <a:fld id="{18427A96-B778-4545-889E-C8BA695B80B4}" type="slidenum">
+              <a:rPr lang="en-US" smtClean="0"/>
+              <a:t>11</a:t>
+            </a:fld>
+            <a:endParaRPr lang="en-US"/>
+          </a:p>
+        </p:txBody>
+      </p:sp>
+    </p:spTree>
+    <p:extLst>
+      <p:ext uri="{BB962C8B-B14F-4D97-AF65-F5344CB8AC3E}">
+        <p14:creationId xmlns:p14="http://schemas.microsoft.com/office/powerpoint/2010/main" val="278775692"/>
+      </p:ext>
+    </p:extLst>
+  </p:cSld>
+  <p:clrMapOvr>
+    <a:masterClrMapping/>
+  </p:clrMapOvr>
+</p:notes>
+</file>
+
+<file path=ppt/notesSlides/notesSlide12.xml><?xml version="1.0" encoding="utf-8"?>
+<p:notes xmlns:a="http://schemas.openxmlformats.org/drawingml/2006/main" xmlns:r="http://schemas.openxmlformats.org/officeDocument/2006/relationships" xmlns:p="http://schemas.openxmlformats.org/presentationml/2006/main">
+  <p:cSld>
+    <p:spTree>
+      <p:nvGrpSpPr>
+        <p:cNvPr id="1" name=""/>
+        <p:cNvGrpSpPr/>
+        <p:nvPr/>
+      </p:nvGrpSpPr>
+      <p:grpSpPr>
+        <a:xfrm>
+          <a:off x="0" y="0"/>
+          <a:ext cx="0" cy="0"/>
+          <a:chOff x="0" y="0"/>
+          <a:chExt cx="0" cy="0"/>
+        </a:xfrm>
+      </p:grpSpPr>
+      <p:sp>
+        <p:nvSpPr>
+          <p:cNvPr id="2" name="Slide Image Placeholder 1"/>
+          <p:cNvSpPr>
+            <a:spLocks noGrp="1" noRot="1" noChangeAspect="1"/>
+          </p:cNvSpPr>
+          <p:nvPr>
+            <p:ph type="sldImg"/>
+          </p:nvPr>
+        </p:nvSpPr>
+        <p:spPr>
+          <a:xfrm>
+            <a:off x="1143000" y="685800"/>
+            <a:ext cx="4572000" cy="3429000"/>
+          </a:xfrm>
+        </p:spPr>
+      </p:sp>
+      <p:sp>
+        <p:nvSpPr>
+          <p:cNvPr id="3" name="Notes Placeholder 2"/>
+          <p:cNvSpPr>
+            <a:spLocks noGrp="1"/>
+          </p:cNvSpPr>
+          <p:nvPr>
+            <p:ph type="body" idx="1"/>
+          </p:nvPr>
+        </p:nvSpPr>
+        <p:spPr/>
+        <p:txBody>
+          <a:bodyPr/>
+          <a:lstStyle/>
+          <a:p>
+            <a:endParaRPr lang="en-US" dirty="0"/>
+          </a:p>
+        </p:txBody>
+      </p:sp>
+      <p:sp>
+        <p:nvSpPr>
+          <p:cNvPr id="4" name="Slide Number Placeholder 3"/>
+          <p:cNvSpPr>
+            <a:spLocks noGrp="1"/>
+          </p:cNvSpPr>
+          <p:nvPr>
+            <p:ph type="sldNum" sz="quarter" idx="10"/>
+          </p:nvPr>
+        </p:nvSpPr>
+        <p:spPr/>
+        <p:txBody>
+          <a:bodyPr/>
+          <a:lstStyle/>
+          <a:p>
+            <a:fld id="{18427A96-B778-4545-889E-C8BA695B80B4}" type="slidenum">
+              <a:rPr lang="en-US" smtClean="0"/>
+              <a:t>12</a:t>
+            </a:fld>
+            <a:endParaRPr lang="en-US"/>
+          </a:p>
+        </p:txBody>
+      </p:sp>
+    </p:spTree>
+    <p:extLst>
+      <p:ext uri="{BB962C8B-B14F-4D97-AF65-F5344CB8AC3E}">
+        <p14:creationId xmlns:p14="http://schemas.microsoft.com/office/powerpoint/2010/main" val="768680856"/>
+      </p:ext>
+    </p:extLst>
+  </p:cSld>
+  <p:clrMapOvr>
+    <a:masterClrMapping/>
+  </p:clrMapOvr>
+</p:notes>
+</file>
+
+<file path=ppt/notesSlides/notesSlide13.xml><?xml version="1.0" encoding="utf-8"?>
+<p:notes xmlns:a="http://schemas.openxmlformats.org/drawingml/2006/main" xmlns:r="http://schemas.openxmlformats.org/officeDocument/2006/relationships" xmlns:p="http://schemas.openxmlformats.org/presentationml/2006/main">
+  <p:cSld>
+    <p:spTree>
+      <p:nvGrpSpPr>
+        <p:cNvPr id="1" name=""/>
+        <p:cNvGrpSpPr/>
+        <p:nvPr/>
+      </p:nvGrpSpPr>
+      <p:grpSpPr>
+        <a:xfrm>
+          <a:off x="0" y="0"/>
+          <a:ext cx="0" cy="0"/>
+          <a:chOff x="0" y="0"/>
+          <a:chExt cx="0" cy="0"/>
+        </a:xfrm>
+      </p:grpSpPr>
+      <p:sp>
+        <p:nvSpPr>
+          <p:cNvPr id="2" name="Slide Image Placeholder 1"/>
+          <p:cNvSpPr>
+            <a:spLocks noGrp="1" noRot="1" noChangeAspect="1"/>
+          </p:cNvSpPr>
+          <p:nvPr>
+            <p:ph type="sldImg"/>
+          </p:nvPr>
+        </p:nvSpPr>
+        <p:spPr>
+          <a:xfrm>
+            <a:off x="1143000" y="685800"/>
+            <a:ext cx="4572000" cy="3429000"/>
+          </a:xfrm>
+        </p:spPr>
+      </p:sp>
+      <p:sp>
+        <p:nvSpPr>
+          <p:cNvPr id="3" name="Notes Placeholder 2"/>
+          <p:cNvSpPr>
+            <a:spLocks noGrp="1"/>
+          </p:cNvSpPr>
+          <p:nvPr>
+            <p:ph type="body" idx="1"/>
+          </p:nvPr>
+        </p:nvSpPr>
+        <p:spPr/>
+        <p:txBody>
+          <a:bodyPr/>
+          <a:lstStyle/>
+          <a:p>
+            <a:endParaRPr lang="en-US" dirty="0"/>
+          </a:p>
+        </p:txBody>
+      </p:sp>
+      <p:sp>
+        <p:nvSpPr>
+          <p:cNvPr id="4" name="Slide Number Placeholder 3"/>
+          <p:cNvSpPr>
+            <a:spLocks noGrp="1"/>
+          </p:cNvSpPr>
+          <p:nvPr>
+            <p:ph type="sldNum" sz="quarter" idx="10"/>
+          </p:nvPr>
+        </p:nvSpPr>
+        <p:spPr/>
+        <p:txBody>
+          <a:bodyPr/>
+          <a:lstStyle/>
+          <a:p>
+            <a:fld id="{18427A96-B778-4545-889E-C8BA695B80B4}" type="slidenum">
+              <a:rPr lang="en-US" smtClean="0"/>
+              <a:t>13</a:t>
+            </a:fld>
+            <a:endParaRPr lang="en-US"/>
+          </a:p>
+        </p:txBody>
+      </p:sp>
+    </p:spTree>
+    <p:extLst>
+      <p:ext uri="{BB962C8B-B14F-4D97-AF65-F5344CB8AC3E}">
+        <p14:creationId xmlns:p14="http://schemas.microsoft.com/office/powerpoint/2010/main" val="1316668749"/>
+      </p:ext>
+    </p:extLst>
+  </p:cSld>
+  <p:clrMapOvr>
+    <a:masterClrMapping/>
+  </p:clrMapOvr>
+</p:notes>
+</file>
+
+<file path=ppt/notesSlides/notesSlide14.xml><?xml version="1.0" encoding="utf-8"?>
+<p:notes xmlns:a="http://schemas.openxmlformats.org/drawingml/2006/main" xmlns:r="http://schemas.openxmlformats.org/officeDocument/2006/relationships" xmlns:p="http://schemas.openxmlformats.org/presentationml/2006/main">
+  <p:cSld>
+    <p:spTree>
+      <p:nvGrpSpPr>
+        <p:cNvPr id="1" name=""/>
+        <p:cNvGrpSpPr/>
+        <p:nvPr/>
+      </p:nvGrpSpPr>
+      <p:grpSpPr>
+        <a:xfrm>
+          <a:off x="0" y="0"/>
+          <a:ext cx="0" cy="0"/>
+          <a:chOff x="0" y="0"/>
+          <a:chExt cx="0" cy="0"/>
+        </a:xfrm>
+      </p:grpSpPr>
+      <p:sp>
+        <p:nvSpPr>
+          <p:cNvPr id="2" name="Slide Image Placeholder 1"/>
+          <p:cNvSpPr>
+            <a:spLocks noGrp="1" noRot="1" noChangeAspect="1"/>
+          </p:cNvSpPr>
+          <p:nvPr>
+            <p:ph type="sldImg"/>
+          </p:nvPr>
+        </p:nvSpPr>
+        <p:spPr>
+          <a:xfrm>
+            <a:off x="1143000" y="685800"/>
+            <a:ext cx="4572000" cy="3429000"/>
+          </a:xfrm>
+        </p:spPr>
+      </p:sp>
+      <p:sp>
+        <p:nvSpPr>
+          <p:cNvPr id="3" name="Notes Placeholder 2"/>
+          <p:cNvSpPr>
+            <a:spLocks noGrp="1"/>
+          </p:cNvSpPr>
+          <p:nvPr>
+            <p:ph type="body" idx="1"/>
+          </p:nvPr>
+        </p:nvSpPr>
+        <p:spPr/>
+        <p:txBody>
+          <a:bodyPr/>
+          <a:lstStyle/>
+          <a:p>
+            <a:endParaRPr lang="en-US" dirty="0"/>
+          </a:p>
+        </p:txBody>
+      </p:sp>
+      <p:sp>
+        <p:nvSpPr>
+          <p:cNvPr id="4" name="Slide Number Placeholder 3"/>
+          <p:cNvSpPr>
+            <a:spLocks noGrp="1"/>
+          </p:cNvSpPr>
+          <p:nvPr>
+            <p:ph type="sldNum" sz="quarter" idx="10"/>
+          </p:nvPr>
+        </p:nvSpPr>
+        <p:spPr/>
+        <p:txBody>
+          <a:bodyPr/>
+          <a:lstStyle/>
+          <a:p>
+            <a:fld id="{18427A96-B778-4545-889E-C8BA695B80B4}" type="slidenum">
+              <a:rPr lang="en-US" smtClean="0"/>
+              <a:t>14</a:t>
+            </a:fld>
+            <a:endParaRPr lang="en-US"/>
+          </a:p>
+        </p:txBody>
+      </p:sp>
+    </p:spTree>
+    <p:extLst>
+      <p:ext uri="{BB962C8B-B14F-4D97-AF65-F5344CB8AC3E}">
+        <p14:creationId xmlns:p14="http://schemas.microsoft.com/office/powerpoint/2010/main" val="731542459"/>
+      </p:ext>
+    </p:extLst>
+  </p:cSld>
+  <p:clrMapOvr>
+    <a:masterClrMapping/>
+  </p:clrMapOvr>
+</p:notes>
+</file>
+
 <file path=ppt/notesSlides/notesSlide2.xml><?xml version="1.0" encoding="utf-8"?>
 <p:notes xmlns:a="http://schemas.openxmlformats.org/drawingml/2006/main" xmlns:r="http://schemas.openxmlformats.org/officeDocument/2006/relationships" xmlns:p="http://schemas.openxmlformats.org/presentationml/2006/main">
   <p:cSld>
@@ -925,7 +1375,7 @@
     </p:spTree>
     <p:extLst>
       <p:ext uri="{BB962C8B-B14F-4D97-AF65-F5344CB8AC3E}">
-        <p14:creationId xmlns:p14="http://schemas.microsoft.com/office/powerpoint/2010/main" val="314650813"/>
+        <p14:creationId xmlns:p14="http://schemas.microsoft.com/office/powerpoint/2010/main" val="2016474653"/>
       </p:ext>
     </p:extLst>
   </p:cSld>
@@ -1014,7 +1464,7 @@
     </p:spTree>
     <p:extLst>
       <p:ext uri="{BB962C8B-B14F-4D97-AF65-F5344CB8AC3E}">
-        <p14:creationId xmlns:p14="http://schemas.microsoft.com/office/powerpoint/2010/main" val="811650848"/>
+        <p14:creationId xmlns:p14="http://schemas.microsoft.com/office/powerpoint/2010/main" val="272882812"/>
       </p:ext>
     </p:extLst>
   </p:cSld>
@@ -1103,7 +1553,7 @@
     </p:spTree>
     <p:extLst>
       <p:ext uri="{BB962C8B-B14F-4D97-AF65-F5344CB8AC3E}">
-        <p14:creationId xmlns:p14="http://schemas.microsoft.com/office/powerpoint/2010/main" val="2016474653"/>
+        <p14:creationId xmlns:p14="http://schemas.microsoft.com/office/powerpoint/2010/main" val="122288336"/>
       </p:ext>
     </p:extLst>
   </p:cSld>
@@ -1192,7 +1642,7 @@
     </p:spTree>
     <p:extLst>
       <p:ext uri="{BB962C8B-B14F-4D97-AF65-F5344CB8AC3E}">
-        <p14:creationId xmlns:p14="http://schemas.microsoft.com/office/powerpoint/2010/main" val="272882812"/>
+        <p14:creationId xmlns:p14="http://schemas.microsoft.com/office/powerpoint/2010/main" val="39916533"/>
       </p:ext>
     </p:extLst>
   </p:cSld>
@@ -1281,7 +1731,7 @@
     </p:spTree>
     <p:extLst>
       <p:ext uri="{BB962C8B-B14F-4D97-AF65-F5344CB8AC3E}">
-        <p14:creationId xmlns:p14="http://schemas.microsoft.com/office/powerpoint/2010/main" val="1591309823"/>
+        <p14:creationId xmlns:p14="http://schemas.microsoft.com/office/powerpoint/2010/main" val="314650813"/>
       </p:ext>
     </p:extLst>
   </p:cSld>
@@ -1370,7 +1820,7 @@
     </p:spTree>
     <p:extLst>
       <p:ext uri="{BB962C8B-B14F-4D97-AF65-F5344CB8AC3E}">
-        <p14:creationId xmlns:p14="http://schemas.microsoft.com/office/powerpoint/2010/main" val="180799033"/>
+        <p14:creationId xmlns:p14="http://schemas.microsoft.com/office/powerpoint/2010/main" val="1783946847"/>
       </p:ext>
     </p:extLst>
   </p:cSld>
@@ -1459,7 +1909,7 @@
     </p:spTree>
     <p:extLst>
       <p:ext uri="{BB962C8B-B14F-4D97-AF65-F5344CB8AC3E}">
-        <p14:creationId xmlns:p14="http://schemas.microsoft.com/office/powerpoint/2010/main" val="731542459"/>
+        <p14:creationId xmlns:p14="http://schemas.microsoft.com/office/powerpoint/2010/main" val="1622539158"/>
       </p:ext>
     </p:extLst>
   </p:cSld>
@@ -4355,7 +4805,11 @@
           <a:p>
             <a:r>
               <a:rPr lang="en-US" sz="2400" cap="small" dirty="0" smtClean="0"/>
-              <a:t>Transcriptome Assembly</a:t>
+              <a:t>Do You</a:t>
+            </a:r>
+            <a:r>
+              <a:rPr lang="en-US" sz="2400" cap="small" dirty="0" smtClean="0"/>
+              <a:t> Want to Build a Transcriptome?</a:t>
             </a:r>
             <a:endParaRPr lang="en-US" sz="2400" cap="small" dirty="0"/>
           </a:p>
@@ -4388,6 +4842,712 @@
     <p:extLst>
       <p:ext uri="{BB962C8B-B14F-4D97-AF65-F5344CB8AC3E}">
         <p14:creationId xmlns:p14="http://schemas.microsoft.com/office/powerpoint/2010/main" val="1394948492"/>
+      </p:ext>
+    </p:extLst>
+  </p:cSld>
+  <p:clrMapOvr>
+    <a:masterClrMapping/>
+  </p:clrMapOvr>
+  <p:timing>
+    <p:tnLst>
+      <p:par>
+        <p:cTn id="1" dur="indefinite" restart="never" nodeType="tmRoot"/>
+      </p:par>
+    </p:tnLst>
+  </p:timing>
+</p:sld>
+</file>
+
+<file path=ppt/slides/slide10.xml><?xml version="1.0" encoding="utf-8"?>
+<p:sld xmlns:a="http://schemas.openxmlformats.org/drawingml/2006/main" xmlns:r="http://schemas.openxmlformats.org/officeDocument/2006/relationships" xmlns:p="http://schemas.openxmlformats.org/presentationml/2006/main">
+  <p:cSld>
+    <p:spTree>
+      <p:nvGrpSpPr>
+        <p:cNvPr id="1" name=""/>
+        <p:cNvGrpSpPr/>
+        <p:nvPr/>
+      </p:nvGrpSpPr>
+      <p:grpSpPr>
+        <a:xfrm>
+          <a:off x="0" y="0"/>
+          <a:ext cx="0" cy="0"/>
+          <a:chOff x="0" y="0"/>
+          <a:chExt cx="0" cy="0"/>
+        </a:xfrm>
+      </p:grpSpPr>
+      <p:sp>
+        <p:nvSpPr>
+          <p:cNvPr id="2" name="Title 1"/>
+          <p:cNvSpPr>
+            <a:spLocks noGrp="1"/>
+          </p:cNvSpPr>
+          <p:nvPr>
+            <p:ph type="title"/>
+          </p:nvPr>
+        </p:nvSpPr>
+        <p:spPr>
+          <a:xfrm>
+            <a:off x="0" y="-1"/>
+            <a:ext cx="6781800" cy="914401"/>
+          </a:xfrm>
+        </p:spPr>
+        <p:txBody>
+          <a:bodyPr anchor="t">
+            <a:normAutofit/>
+          </a:bodyPr>
+          <a:lstStyle/>
+          <a:p>
+            <a:r>
+              <a:rPr lang="en-US" sz="2400" cap="small" dirty="0" smtClean="0"/>
+              <a:t>Transcriptome Assembly</a:t>
+            </a:r>
+            <a:endParaRPr lang="en-US" sz="2400" cap="small" dirty="0"/>
+          </a:p>
+        </p:txBody>
+      </p:sp>
+      <p:sp>
+        <p:nvSpPr>
+          <p:cNvPr id="4" name="Slide Number Placeholder 3"/>
+          <p:cNvSpPr>
+            <a:spLocks noGrp="1"/>
+          </p:cNvSpPr>
+          <p:nvPr>
+            <p:ph type="sldNum" sz="quarter" idx="12"/>
+          </p:nvPr>
+        </p:nvSpPr>
+        <p:spPr/>
+        <p:txBody>
+          <a:bodyPr/>
+          <a:lstStyle/>
+          <a:p>
+            <a:fld id="{7F5CE407-6216-4202-80E4-A30DC2F709B2}" type="slidenum">
+              <a:rPr lang="en-US" smtClean="0"/>
+              <a:t>10</a:t>
+            </a:fld>
+            <a:endParaRPr lang="en-US"/>
+          </a:p>
+        </p:txBody>
+      </p:sp>
+      <p:pic>
+        <p:nvPicPr>
+          <p:cNvPr id="3" name="Picture 2"/>
+          <p:cNvPicPr>
+            <a:picLocks noChangeAspect="1"/>
+          </p:cNvPicPr>
+          <p:nvPr/>
+        </p:nvPicPr>
+        <p:blipFill>
+          <a:blip r:embed="rId3">
+            <a:extLst>
+              <a:ext uri="{28A0092B-C50C-407E-A947-70E740481C1C}">
+                <a14:useLocalDpi xmlns:a14="http://schemas.microsoft.com/office/drawing/2010/main" val="0"/>
+              </a:ext>
+            </a:extLst>
+          </a:blip>
+          <a:stretch>
+            <a:fillRect/>
+          </a:stretch>
+        </p:blipFill>
+        <p:spPr>
+          <a:xfrm>
+            <a:off x="228977" y="567951"/>
+            <a:ext cx="6323846" cy="4404633"/>
+          </a:xfrm>
+          <a:prstGeom prst="rect">
+            <a:avLst/>
+          </a:prstGeom>
+        </p:spPr>
+      </p:pic>
+      <p:sp>
+        <p:nvSpPr>
+          <p:cNvPr id="6" name="Rectangle 5"/>
+          <p:cNvSpPr/>
+          <p:nvPr/>
+        </p:nvSpPr>
+        <p:spPr>
+          <a:xfrm>
+            <a:off x="182168" y="457199"/>
+            <a:ext cx="1774845" cy="369332"/>
+          </a:xfrm>
+          <a:prstGeom prst="rect">
+            <a:avLst/>
+          </a:prstGeom>
+        </p:spPr>
+        <p:txBody>
+          <a:bodyPr wrap="none">
+            <a:spAutoFit/>
+          </a:bodyPr>
+          <a:lstStyle/>
+          <a:p>
+            <a:r>
+              <a:rPr lang="en-US" dirty="0" smtClean="0"/>
+              <a:t>Error Correct</a:t>
+            </a:r>
+            <a:r>
+              <a:rPr lang="en-US" dirty="0" smtClean="0"/>
+              <a:t>??</a:t>
+            </a:r>
+            <a:endParaRPr lang="en-US" dirty="0"/>
+          </a:p>
+        </p:txBody>
+      </p:sp>
+    </p:spTree>
+    <p:extLst>
+      <p:ext uri="{BB962C8B-B14F-4D97-AF65-F5344CB8AC3E}">
+        <p14:creationId xmlns:p14="http://schemas.microsoft.com/office/powerpoint/2010/main" val="487375158"/>
+      </p:ext>
+    </p:extLst>
+  </p:cSld>
+  <p:clrMapOvr>
+    <a:masterClrMapping/>
+  </p:clrMapOvr>
+  <p:timing>
+    <p:tnLst>
+      <p:par>
+        <p:cTn id="1" dur="indefinite" restart="never" nodeType="tmRoot"/>
+      </p:par>
+    </p:tnLst>
+  </p:timing>
+</p:sld>
+</file>
+
+<file path=ppt/slides/slide11.xml><?xml version="1.0" encoding="utf-8"?>
+<p:sld xmlns:a="http://schemas.openxmlformats.org/drawingml/2006/main" xmlns:r="http://schemas.openxmlformats.org/officeDocument/2006/relationships" xmlns:p="http://schemas.openxmlformats.org/presentationml/2006/main">
+  <p:cSld>
+    <p:spTree>
+      <p:nvGrpSpPr>
+        <p:cNvPr id="1" name=""/>
+        <p:cNvGrpSpPr/>
+        <p:nvPr/>
+      </p:nvGrpSpPr>
+      <p:grpSpPr>
+        <a:xfrm>
+          <a:off x="0" y="0"/>
+          <a:ext cx="0" cy="0"/>
+          <a:chOff x="0" y="0"/>
+          <a:chExt cx="0" cy="0"/>
+        </a:xfrm>
+      </p:grpSpPr>
+      <p:sp>
+        <p:nvSpPr>
+          <p:cNvPr id="2" name="Title 1"/>
+          <p:cNvSpPr>
+            <a:spLocks noGrp="1"/>
+          </p:cNvSpPr>
+          <p:nvPr>
+            <p:ph type="title"/>
+          </p:nvPr>
+        </p:nvSpPr>
+        <p:spPr>
+          <a:xfrm>
+            <a:off x="0" y="-1"/>
+            <a:ext cx="6781800" cy="914401"/>
+          </a:xfrm>
+        </p:spPr>
+        <p:txBody>
+          <a:bodyPr anchor="t">
+            <a:normAutofit/>
+          </a:bodyPr>
+          <a:lstStyle/>
+          <a:p>
+            <a:r>
+              <a:rPr lang="en-US" sz="2400" cap="small" dirty="0" smtClean="0"/>
+              <a:t>Transcriptome Assembly</a:t>
+            </a:r>
+            <a:endParaRPr lang="en-US" sz="2400" cap="small" dirty="0"/>
+          </a:p>
+        </p:txBody>
+      </p:sp>
+      <p:sp>
+        <p:nvSpPr>
+          <p:cNvPr id="4" name="Slide Number Placeholder 3"/>
+          <p:cNvSpPr>
+            <a:spLocks noGrp="1"/>
+          </p:cNvSpPr>
+          <p:nvPr>
+            <p:ph type="sldNum" sz="quarter" idx="12"/>
+          </p:nvPr>
+        </p:nvSpPr>
+        <p:spPr/>
+        <p:txBody>
+          <a:bodyPr/>
+          <a:lstStyle/>
+          <a:p>
+            <a:fld id="{7F5CE407-6216-4202-80E4-A30DC2F709B2}" type="slidenum">
+              <a:rPr lang="en-US" smtClean="0"/>
+              <a:t>11</a:t>
+            </a:fld>
+            <a:endParaRPr lang="en-US"/>
+          </a:p>
+        </p:txBody>
+      </p:sp>
+      <p:sp>
+        <p:nvSpPr>
+          <p:cNvPr id="6" name="Rectangle 5"/>
+          <p:cNvSpPr/>
+          <p:nvPr/>
+        </p:nvSpPr>
+        <p:spPr>
+          <a:xfrm>
+            <a:off x="182168" y="457199"/>
+            <a:ext cx="2223814" cy="369332"/>
+          </a:xfrm>
+          <a:prstGeom prst="rect">
+            <a:avLst/>
+          </a:prstGeom>
+        </p:spPr>
+        <p:txBody>
+          <a:bodyPr wrap="none">
+            <a:spAutoFit/>
+          </a:bodyPr>
+          <a:lstStyle/>
+          <a:p>
+            <a:r>
+              <a:rPr lang="en-US" dirty="0" smtClean="0"/>
+              <a:t>Which Assembler??</a:t>
+            </a:r>
+            <a:endParaRPr lang="en-US" dirty="0"/>
+          </a:p>
+        </p:txBody>
+      </p:sp>
+    </p:spTree>
+    <p:extLst>
+      <p:ext uri="{BB962C8B-B14F-4D97-AF65-F5344CB8AC3E}">
+        <p14:creationId xmlns:p14="http://schemas.microsoft.com/office/powerpoint/2010/main" val="1836372568"/>
+      </p:ext>
+    </p:extLst>
+  </p:cSld>
+  <p:clrMapOvr>
+    <a:masterClrMapping/>
+  </p:clrMapOvr>
+  <p:timing>
+    <p:tnLst>
+      <p:par>
+        <p:cTn id="1" dur="indefinite" restart="never" nodeType="tmRoot"/>
+      </p:par>
+    </p:tnLst>
+  </p:timing>
+</p:sld>
+</file>
+
+<file path=ppt/slides/slide12.xml><?xml version="1.0" encoding="utf-8"?>
+<p:sld xmlns:a="http://schemas.openxmlformats.org/drawingml/2006/main" xmlns:r="http://schemas.openxmlformats.org/officeDocument/2006/relationships" xmlns:p="http://schemas.openxmlformats.org/presentationml/2006/main">
+  <p:cSld>
+    <p:spTree>
+      <p:nvGrpSpPr>
+        <p:cNvPr id="1" name=""/>
+        <p:cNvGrpSpPr/>
+        <p:nvPr/>
+      </p:nvGrpSpPr>
+      <p:grpSpPr>
+        <a:xfrm>
+          <a:off x="0" y="0"/>
+          <a:ext cx="0" cy="0"/>
+          <a:chOff x="0" y="0"/>
+          <a:chExt cx="0" cy="0"/>
+        </a:xfrm>
+      </p:grpSpPr>
+      <p:sp>
+        <p:nvSpPr>
+          <p:cNvPr id="2" name="Title 1"/>
+          <p:cNvSpPr>
+            <a:spLocks noGrp="1"/>
+          </p:cNvSpPr>
+          <p:nvPr>
+            <p:ph type="title"/>
+          </p:nvPr>
+        </p:nvSpPr>
+        <p:spPr>
+          <a:xfrm>
+            <a:off x="0" y="-1"/>
+            <a:ext cx="6781800" cy="914401"/>
+          </a:xfrm>
+        </p:spPr>
+        <p:txBody>
+          <a:bodyPr anchor="t">
+            <a:normAutofit/>
+          </a:bodyPr>
+          <a:lstStyle/>
+          <a:p>
+            <a:r>
+              <a:rPr lang="en-US" sz="2400" cap="small" dirty="0" smtClean="0"/>
+              <a:t>Transcriptome Assembly</a:t>
+            </a:r>
+            <a:endParaRPr lang="en-US" sz="2400" cap="small" dirty="0"/>
+          </a:p>
+        </p:txBody>
+      </p:sp>
+      <p:sp>
+        <p:nvSpPr>
+          <p:cNvPr id="4" name="Slide Number Placeholder 3"/>
+          <p:cNvSpPr>
+            <a:spLocks noGrp="1"/>
+          </p:cNvSpPr>
+          <p:nvPr>
+            <p:ph type="sldNum" sz="quarter" idx="12"/>
+          </p:nvPr>
+        </p:nvSpPr>
+        <p:spPr/>
+        <p:txBody>
+          <a:bodyPr/>
+          <a:lstStyle/>
+          <a:p>
+            <a:fld id="{7F5CE407-6216-4202-80E4-A30DC2F709B2}" type="slidenum">
+              <a:rPr lang="en-US" smtClean="0"/>
+              <a:t>12</a:t>
+            </a:fld>
+            <a:endParaRPr lang="en-US"/>
+          </a:p>
+        </p:txBody>
+      </p:sp>
+      <p:sp>
+        <p:nvSpPr>
+          <p:cNvPr id="3" name="Rectangle 2"/>
+          <p:cNvSpPr/>
+          <p:nvPr/>
+        </p:nvSpPr>
+        <p:spPr>
+          <a:xfrm>
+            <a:off x="182168" y="457199"/>
+            <a:ext cx="2486578" cy="2031325"/>
+          </a:xfrm>
+          <a:prstGeom prst="rect">
+            <a:avLst/>
+          </a:prstGeom>
+        </p:spPr>
+        <p:txBody>
+          <a:bodyPr wrap="none">
+            <a:spAutoFit/>
+          </a:bodyPr>
+          <a:lstStyle/>
+          <a:p>
+            <a:endParaRPr lang="en-US" dirty="0"/>
+          </a:p>
+          <a:p>
+            <a:r>
+              <a:rPr lang="en-US" dirty="0" smtClean="0"/>
+              <a:t>How To Evaluate</a:t>
+            </a:r>
+          </a:p>
+          <a:p>
+            <a:endParaRPr lang="en-US" dirty="0"/>
+          </a:p>
+          <a:p>
+            <a:pPr marL="285750" indent="-285750">
+              <a:buFont typeface="Arial" charset="0"/>
+              <a:buChar char="•"/>
+            </a:pPr>
+            <a:r>
+              <a:rPr lang="en-US" dirty="0" err="1" smtClean="0"/>
+              <a:t>TransRate</a:t>
+            </a:r>
+            <a:endParaRPr lang="en-US" dirty="0" smtClean="0"/>
+          </a:p>
+          <a:p>
+            <a:pPr marL="285750" indent="-285750">
+              <a:buFont typeface="Arial" charset="0"/>
+              <a:buChar char="•"/>
+            </a:pPr>
+            <a:r>
+              <a:rPr lang="en-US" dirty="0" smtClean="0"/>
+              <a:t>BUSCO</a:t>
+            </a:r>
+          </a:p>
+          <a:p>
+            <a:pPr marL="285750" indent="-285750">
+              <a:buFont typeface="Arial" charset="0"/>
+              <a:buChar char="•"/>
+            </a:pPr>
+            <a:r>
+              <a:rPr lang="en-US" dirty="0" smtClean="0"/>
+              <a:t>Mapping reads</a:t>
+            </a:r>
+          </a:p>
+          <a:p>
+            <a:pPr marL="285750" indent="-285750">
+              <a:buFont typeface="Arial" charset="0"/>
+              <a:buChar char="•"/>
+            </a:pPr>
+            <a:r>
+              <a:rPr lang="en-US" dirty="0" smtClean="0"/>
+              <a:t>Mapping transcripts</a:t>
+            </a:r>
+            <a:endParaRPr lang="en-US" dirty="0"/>
+          </a:p>
+        </p:txBody>
+      </p:sp>
+    </p:spTree>
+    <p:extLst>
+      <p:ext uri="{BB962C8B-B14F-4D97-AF65-F5344CB8AC3E}">
+        <p14:creationId xmlns:p14="http://schemas.microsoft.com/office/powerpoint/2010/main" val="148645931"/>
+      </p:ext>
+    </p:extLst>
+  </p:cSld>
+  <p:clrMapOvr>
+    <a:masterClrMapping/>
+  </p:clrMapOvr>
+  <p:timing>
+    <p:tnLst>
+      <p:par>
+        <p:cTn id="1" dur="indefinite" restart="never" nodeType="tmRoot"/>
+      </p:par>
+    </p:tnLst>
+  </p:timing>
+</p:sld>
+</file>
+
+<file path=ppt/slides/slide13.xml><?xml version="1.0" encoding="utf-8"?>
+<p:sld xmlns:a="http://schemas.openxmlformats.org/drawingml/2006/main" xmlns:r="http://schemas.openxmlformats.org/officeDocument/2006/relationships" xmlns:p="http://schemas.openxmlformats.org/presentationml/2006/main">
+  <p:cSld>
+    <p:spTree>
+      <p:nvGrpSpPr>
+        <p:cNvPr id="1" name=""/>
+        <p:cNvGrpSpPr/>
+        <p:nvPr/>
+      </p:nvGrpSpPr>
+      <p:grpSpPr>
+        <a:xfrm>
+          <a:off x="0" y="0"/>
+          <a:ext cx="0" cy="0"/>
+          <a:chOff x="0" y="0"/>
+          <a:chExt cx="0" cy="0"/>
+        </a:xfrm>
+      </p:grpSpPr>
+      <p:sp>
+        <p:nvSpPr>
+          <p:cNvPr id="2" name="Title 1"/>
+          <p:cNvSpPr>
+            <a:spLocks noGrp="1"/>
+          </p:cNvSpPr>
+          <p:nvPr>
+            <p:ph type="title"/>
+          </p:nvPr>
+        </p:nvSpPr>
+        <p:spPr>
+          <a:xfrm>
+            <a:off x="0" y="-1"/>
+            <a:ext cx="6781800" cy="914401"/>
+          </a:xfrm>
+        </p:spPr>
+        <p:txBody>
+          <a:bodyPr anchor="t">
+            <a:normAutofit/>
+          </a:bodyPr>
+          <a:lstStyle/>
+          <a:p>
+            <a:r>
+              <a:rPr lang="en-US" sz="2400" cap="small" dirty="0" smtClean="0"/>
+              <a:t>Transcriptome Assembly</a:t>
+            </a:r>
+            <a:endParaRPr lang="en-US" sz="2400" cap="small" dirty="0"/>
+          </a:p>
+        </p:txBody>
+      </p:sp>
+      <p:sp>
+        <p:nvSpPr>
+          <p:cNvPr id="4" name="Slide Number Placeholder 3"/>
+          <p:cNvSpPr>
+            <a:spLocks noGrp="1"/>
+          </p:cNvSpPr>
+          <p:nvPr>
+            <p:ph type="sldNum" sz="quarter" idx="12"/>
+          </p:nvPr>
+        </p:nvSpPr>
+        <p:spPr/>
+        <p:txBody>
+          <a:bodyPr/>
+          <a:lstStyle/>
+          <a:p>
+            <a:fld id="{7F5CE407-6216-4202-80E4-A30DC2F709B2}" type="slidenum">
+              <a:rPr lang="en-US" smtClean="0"/>
+              <a:t>13</a:t>
+            </a:fld>
+            <a:endParaRPr lang="en-US"/>
+          </a:p>
+        </p:txBody>
+      </p:sp>
+      <p:sp>
+        <p:nvSpPr>
+          <p:cNvPr id="3" name="Rectangle 2"/>
+          <p:cNvSpPr/>
+          <p:nvPr/>
+        </p:nvSpPr>
+        <p:spPr>
+          <a:xfrm>
+            <a:off x="182168" y="457199"/>
+            <a:ext cx="3634328" cy="1200329"/>
+          </a:xfrm>
+          <a:prstGeom prst="rect">
+            <a:avLst/>
+          </a:prstGeom>
+        </p:spPr>
+        <p:txBody>
+          <a:bodyPr wrap="none">
+            <a:spAutoFit/>
+          </a:bodyPr>
+          <a:lstStyle/>
+          <a:p>
+            <a:endParaRPr lang="en-US" dirty="0"/>
+          </a:p>
+          <a:p>
+            <a:r>
+              <a:rPr lang="en-US" dirty="0" smtClean="0"/>
+              <a:t>Short reads/long reads</a:t>
+            </a:r>
+          </a:p>
+          <a:p>
+            <a:endParaRPr lang="en-US" dirty="0"/>
+          </a:p>
+          <a:p>
+            <a:r>
+              <a:rPr lang="en-US" dirty="0" smtClean="0"/>
+              <a:t>Reference guided versus de novo</a:t>
+            </a:r>
+            <a:endParaRPr lang="en-US" dirty="0"/>
+          </a:p>
+        </p:txBody>
+      </p:sp>
+    </p:spTree>
+    <p:extLst>
+      <p:ext uri="{BB962C8B-B14F-4D97-AF65-F5344CB8AC3E}">
+        <p14:creationId xmlns:p14="http://schemas.microsoft.com/office/powerpoint/2010/main" val="1901087545"/>
+      </p:ext>
+    </p:extLst>
+  </p:cSld>
+  <p:clrMapOvr>
+    <a:masterClrMapping/>
+  </p:clrMapOvr>
+  <p:timing>
+    <p:tnLst>
+      <p:par>
+        <p:cTn id="1" dur="indefinite" restart="never" nodeType="tmRoot"/>
+      </p:par>
+    </p:tnLst>
+  </p:timing>
+</p:sld>
+</file>
+
+<file path=ppt/slides/slide14.xml><?xml version="1.0" encoding="utf-8"?>
+<p:sld xmlns:a="http://schemas.openxmlformats.org/drawingml/2006/main" xmlns:r="http://schemas.openxmlformats.org/officeDocument/2006/relationships" xmlns:p="http://schemas.openxmlformats.org/presentationml/2006/main">
+  <p:cSld>
+    <p:spTree>
+      <p:nvGrpSpPr>
+        <p:cNvPr id="1" name=""/>
+        <p:cNvGrpSpPr/>
+        <p:nvPr/>
+      </p:nvGrpSpPr>
+      <p:grpSpPr>
+        <a:xfrm>
+          <a:off x="0" y="0"/>
+          <a:ext cx="0" cy="0"/>
+          <a:chOff x="0" y="0"/>
+          <a:chExt cx="0" cy="0"/>
+        </a:xfrm>
+      </p:grpSpPr>
+      <p:sp>
+        <p:nvSpPr>
+          <p:cNvPr id="2" name="Title 1"/>
+          <p:cNvSpPr>
+            <a:spLocks noGrp="1"/>
+          </p:cNvSpPr>
+          <p:nvPr>
+            <p:ph type="title"/>
+          </p:nvPr>
+        </p:nvSpPr>
+        <p:spPr>
+          <a:xfrm>
+            <a:off x="0" y="-1"/>
+            <a:ext cx="6781800" cy="914401"/>
+          </a:xfrm>
+        </p:spPr>
+        <p:txBody>
+          <a:bodyPr anchor="t">
+            <a:normAutofit/>
+          </a:bodyPr>
+          <a:lstStyle/>
+          <a:p>
+            <a:r>
+              <a:rPr lang="en-US" sz="2400" cap="small" dirty="0" smtClean="0"/>
+              <a:t>Transcriptome </a:t>
+            </a:r>
+            <a:br>
+              <a:rPr lang="en-US" sz="2400" cap="small" dirty="0" smtClean="0"/>
+            </a:br>
+            <a:r>
+              <a:rPr lang="en-US" sz="2400" cap="small" dirty="0" smtClean="0"/>
+              <a:t>Assembly</a:t>
+            </a:r>
+            <a:endParaRPr lang="en-US" sz="2400" cap="small" dirty="0"/>
+          </a:p>
+        </p:txBody>
+      </p:sp>
+      <p:sp>
+        <p:nvSpPr>
+          <p:cNvPr id="4" name="Slide Number Placeholder 3"/>
+          <p:cNvSpPr>
+            <a:spLocks noGrp="1"/>
+          </p:cNvSpPr>
+          <p:nvPr>
+            <p:ph type="sldNum" sz="quarter" idx="12"/>
+          </p:nvPr>
+        </p:nvSpPr>
+        <p:spPr/>
+        <p:txBody>
+          <a:bodyPr/>
+          <a:lstStyle/>
+          <a:p>
+            <a:fld id="{7F5CE407-6216-4202-80E4-A30DC2F709B2}" type="slidenum">
+              <a:rPr lang="en-US" smtClean="0"/>
+              <a:t>14</a:t>
+            </a:fld>
+            <a:endParaRPr lang="en-US"/>
+          </a:p>
+        </p:txBody>
+      </p:sp>
+      <p:sp>
+        <p:nvSpPr>
+          <p:cNvPr id="3" name="Rectangle 2"/>
+          <p:cNvSpPr/>
+          <p:nvPr/>
+        </p:nvSpPr>
+        <p:spPr>
+          <a:xfrm>
+            <a:off x="224858" y="1142484"/>
+            <a:ext cx="5390130" cy="615553"/>
+          </a:xfrm>
+          <a:prstGeom prst="rect">
+            <a:avLst/>
+          </a:prstGeom>
+        </p:spPr>
+        <p:txBody>
+          <a:bodyPr wrap="none">
+            <a:spAutoFit/>
+          </a:bodyPr>
+          <a:lstStyle/>
+          <a:p>
+            <a:pPr marL="0" lvl="1"/>
+            <a:r>
+              <a:rPr lang="en-US" sz="1600" dirty="0">
+                <a:latin typeface="Avenir Book"/>
+                <a:cs typeface="Avenir Book"/>
+                <a:hlinkClick r:id="rId3"/>
+              </a:rPr>
+              <a:t>http://www.broadinstitute.org/videos/trinity-how-it-works</a:t>
+            </a:r>
+            <a:endParaRPr lang="en-US" sz="1600" dirty="0">
+              <a:latin typeface="Avenir Book"/>
+              <a:cs typeface="Avenir Book"/>
+            </a:endParaRPr>
+          </a:p>
+          <a:p>
+            <a:endParaRPr lang="en-US" dirty="0"/>
+          </a:p>
+        </p:txBody>
+      </p:sp>
+    </p:spTree>
+    <p:extLst>
+      <p:ext uri="{BB962C8B-B14F-4D97-AF65-F5344CB8AC3E}">
+        <p14:creationId xmlns:p14="http://schemas.microsoft.com/office/powerpoint/2010/main" val="910938446"/>
       </p:ext>
     </p:extLst>
   </p:cSld>
@@ -4483,7 +5643,7 @@
         <p:spPr>
           <a:xfrm>
             <a:off x="182168" y="457199"/>
-            <a:ext cx="3634328" cy="2585323"/>
+            <a:ext cx="3634328" cy="4247317"/>
           </a:xfrm>
           <a:prstGeom prst="rect">
             <a:avLst/>
@@ -4524,6 +5684,24 @@
           <a:p>
             <a:r>
               <a:rPr lang="en-US" dirty="0" smtClean="0"/>
+              <a:t>Error correct or not</a:t>
+            </a:r>
+          </a:p>
+          <a:p>
+            <a:endParaRPr lang="en-US" dirty="0"/>
+          </a:p>
+          <a:p>
+            <a:r>
+              <a:rPr lang="en-US" dirty="0" smtClean="0"/>
+              <a:t>Which Assembler?</a:t>
+            </a:r>
+          </a:p>
+          <a:p>
+            <a:endParaRPr lang="en-US" dirty="0"/>
+          </a:p>
+          <a:p>
+            <a:r>
+              <a:rPr lang="en-US" dirty="0" smtClean="0"/>
               <a:t>Short reads/long reads</a:t>
             </a:r>
           </a:p>
@@ -4534,6 +5712,15 @@
             <a:r>
               <a:rPr lang="en-US" dirty="0" smtClean="0"/>
               <a:t>Reference guided versus de novo</a:t>
+            </a:r>
+          </a:p>
+          <a:p>
+            <a:endParaRPr lang="en-US" dirty="0"/>
+          </a:p>
+          <a:p>
+            <a:r>
+              <a:rPr lang="en-US" dirty="0" smtClean="0"/>
+              <a:t>How to evaluate??</a:t>
             </a:r>
             <a:endParaRPr lang="en-US" dirty="0"/>
           </a:p>
@@ -4629,40 +5816,39 @@
           </a:p>
         </p:txBody>
       </p:sp>
-      <p:pic>
-        <p:nvPicPr>
-          <p:cNvPr id="5" name="Picture 4"/>
-          <p:cNvPicPr>
-            <a:picLocks noChangeAspect="1"/>
-          </p:cNvPicPr>
+      <p:sp>
+        <p:nvSpPr>
+          <p:cNvPr id="3" name="Rectangle 2"/>
+          <p:cNvSpPr/>
           <p:nvPr/>
-        </p:nvPicPr>
-        <p:blipFill>
-          <a:blip r:embed="rId3">
-            <a:extLst>
-              <a:ext uri="{28A0092B-C50C-407E-A947-70E740481C1C}">
-                <a14:useLocalDpi xmlns:a14="http://schemas.microsoft.com/office/drawing/2010/main" val="0"/>
-              </a:ext>
-            </a:extLst>
-          </a:blip>
-          <a:stretch>
-            <a:fillRect/>
-          </a:stretch>
-        </p:blipFill>
-        <p:spPr>
-          <a:xfrm>
-            <a:off x="262550" y="457199"/>
-            <a:ext cx="6423434" cy="4473997"/>
+        </p:nvSpPr>
+        <p:spPr>
+          <a:xfrm>
+            <a:off x="182168" y="457199"/>
+            <a:ext cx="3916457" cy="369332"/>
           </a:xfrm>
           <a:prstGeom prst="rect">
             <a:avLst/>
           </a:prstGeom>
         </p:spPr>
-      </p:pic>
+        <p:txBody>
+          <a:bodyPr wrap="none">
+            <a:spAutoFit/>
+          </a:bodyPr>
+          <a:lstStyle/>
+          <a:p>
+            <a:r>
+              <a:rPr lang="en-US" dirty="0" smtClean="0"/>
+              <a:t>Why easier than genome assembly?</a:t>
+            </a:r>
+            <a:endParaRPr lang="en-US" dirty="0"/>
+          </a:p>
+        </p:txBody>
+      </p:sp>
     </p:spTree>
     <p:extLst>
       <p:ext uri="{BB962C8B-B14F-4D97-AF65-F5344CB8AC3E}">
-        <p14:creationId xmlns:p14="http://schemas.microsoft.com/office/powerpoint/2010/main" val="467668519"/>
+        <p14:creationId xmlns:p14="http://schemas.microsoft.com/office/powerpoint/2010/main" val="1699886442"/>
       </p:ext>
     </p:extLst>
   </p:cSld>
@@ -4749,40 +5935,39 @@
           </a:p>
         </p:txBody>
       </p:sp>
-      <p:pic>
-        <p:nvPicPr>
-          <p:cNvPr id="3" name="Picture 2"/>
-          <p:cNvPicPr>
-            <a:picLocks noChangeAspect="1"/>
-          </p:cNvPicPr>
+      <p:sp>
+        <p:nvSpPr>
+          <p:cNvPr id="3" name="Rectangle 2"/>
+          <p:cNvSpPr/>
           <p:nvPr/>
-        </p:nvPicPr>
-        <p:blipFill>
-          <a:blip r:embed="rId3">
-            <a:extLst>
-              <a:ext uri="{28A0092B-C50C-407E-A947-70E740481C1C}">
-                <a14:useLocalDpi xmlns:a14="http://schemas.microsoft.com/office/drawing/2010/main" val="0"/>
-              </a:ext>
-            </a:extLst>
-          </a:blip>
-          <a:stretch>
-            <a:fillRect/>
-          </a:stretch>
-        </p:blipFill>
-        <p:spPr>
-          <a:xfrm>
-            <a:off x="228977" y="567951"/>
-            <a:ext cx="6323846" cy="4404633"/>
+        </p:nvSpPr>
+        <p:spPr>
+          <a:xfrm>
+            <a:off x="182168" y="457199"/>
+            <a:ext cx="3954929" cy="369332"/>
           </a:xfrm>
           <a:prstGeom prst="rect">
             <a:avLst/>
           </a:prstGeom>
         </p:spPr>
-      </p:pic>
+        <p:txBody>
+          <a:bodyPr wrap="none">
+            <a:spAutoFit/>
+          </a:bodyPr>
+          <a:lstStyle/>
+          <a:p>
+            <a:r>
+              <a:rPr lang="en-US" dirty="0" smtClean="0"/>
+              <a:t>Why harder than genome assembly?</a:t>
+            </a:r>
+            <a:endParaRPr lang="en-US" dirty="0"/>
+          </a:p>
+        </p:txBody>
+      </p:sp>
     </p:spTree>
     <p:extLst>
       <p:ext uri="{BB962C8B-B14F-4D97-AF65-F5344CB8AC3E}">
-        <p14:creationId xmlns:p14="http://schemas.microsoft.com/office/powerpoint/2010/main" val="487375158"/>
+        <p14:creationId xmlns:p14="http://schemas.microsoft.com/office/powerpoint/2010/main" val="2110956757"/>
       </p:ext>
     </p:extLst>
   </p:cSld>
@@ -4878,7 +6063,7 @@
         <p:spPr>
           <a:xfrm>
             <a:off x="182168" y="457199"/>
-            <a:ext cx="3916457" cy="369332"/>
+            <a:ext cx="1633781" cy="369332"/>
           </a:xfrm>
           <a:prstGeom prst="rect">
             <a:avLst/>
@@ -4892,7 +6077,7 @@
           <a:p>
             <a:r>
               <a:rPr lang="en-US" dirty="0" smtClean="0"/>
-              <a:t>Why easier than genome assembly?</a:t>
+              <a:t>What tissues?</a:t>
             </a:r>
             <a:endParaRPr lang="en-US" dirty="0"/>
           </a:p>
@@ -4901,7 +6086,7 @@
     </p:spTree>
     <p:extLst>
       <p:ext uri="{BB962C8B-B14F-4D97-AF65-F5344CB8AC3E}">
-        <p14:creationId xmlns:p14="http://schemas.microsoft.com/office/powerpoint/2010/main" val="1699886442"/>
+        <p14:creationId xmlns:p14="http://schemas.microsoft.com/office/powerpoint/2010/main" val="1980874711"/>
       </p:ext>
     </p:extLst>
   </p:cSld>
@@ -4997,7 +6182,7 @@
         <p:spPr>
           <a:xfrm>
             <a:off x="182168" y="457199"/>
-            <a:ext cx="3954929" cy="369332"/>
+            <a:ext cx="2685351" cy="369332"/>
           </a:xfrm>
           <a:prstGeom prst="rect">
             <a:avLst/>
@@ -5011,16 +6196,46 @@
           <a:p>
             <a:r>
               <a:rPr lang="en-US" dirty="0" smtClean="0"/>
-              <a:t>Why harder than genome assembly?</a:t>
+              <a:t>How Many Individuals??</a:t>
             </a:r>
             <a:endParaRPr lang="en-US" dirty="0"/>
           </a:p>
         </p:txBody>
       </p:sp>
+      <p:pic>
+        <p:nvPicPr>
+          <p:cNvPr id="5" name="Picture 4"/>
+          <p:cNvPicPr>
+            <a:picLocks noChangeAspect="1"/>
+          </p:cNvPicPr>
+          <p:nvPr/>
+        </p:nvPicPr>
+        <p:blipFill>
+          <a:blip r:embed="rId3">
+            <a:extLst>
+              <a:ext uri="{28A0092B-C50C-407E-A947-70E740481C1C}">
+                <a14:useLocalDpi xmlns:a14="http://schemas.microsoft.com/office/drawing/2010/main" val="0"/>
+              </a:ext>
+            </a:extLst>
+          </a:blip>
+          <a:stretch>
+            <a:fillRect/>
+          </a:stretch>
+        </p:blipFill>
+        <p:spPr>
+          <a:xfrm>
+            <a:off x="0" y="1854200"/>
+            <a:ext cx="6858000" cy="1423358"/>
+          </a:xfrm>
+          <a:prstGeom prst="rect">
+            <a:avLst/>
+          </a:prstGeom>
+        </p:spPr>
+      </p:pic>
     </p:spTree>
     <p:extLst>
       <p:ext uri="{BB962C8B-B14F-4D97-AF65-F5344CB8AC3E}">
-        <p14:creationId xmlns:p14="http://schemas.microsoft.com/office/powerpoint/2010/main" val="2110956757"/>
+        <p14:creationId xmlns:p14="http://schemas.microsoft.com/office/powerpoint/2010/main" val="1490220842"/>
       </p:ext>
     </p:extLst>
   </p:cSld>
@@ -5107,21 +6322,51 @@
           </a:p>
         </p:txBody>
       </p:sp>
-      <p:sp>
-        <p:nvSpPr>
-          <p:cNvPr id="3" name="Rectangle 2"/>
-          <p:cNvSpPr/>
+      <p:pic>
+        <p:nvPicPr>
+          <p:cNvPr id="5" name="Picture 4"/>
+          <p:cNvPicPr>
+            <a:picLocks noChangeAspect="1"/>
+          </p:cNvPicPr>
           <p:nvPr/>
-        </p:nvSpPr>
-        <p:spPr>
-          <a:xfrm>
-            <a:off x="182168" y="457199"/>
-            <a:ext cx="1261884" cy="369332"/>
+        </p:nvPicPr>
+        <p:blipFill>
+          <a:blip r:embed="rId3">
+            <a:extLst>
+              <a:ext uri="{28A0092B-C50C-407E-A947-70E740481C1C}">
+                <a14:useLocalDpi xmlns:a14="http://schemas.microsoft.com/office/drawing/2010/main" val="0"/>
+              </a:ext>
+            </a:extLst>
+          </a:blip>
+          <a:stretch>
+            <a:fillRect/>
+          </a:stretch>
+        </p:blipFill>
+        <p:spPr>
+          <a:xfrm>
+            <a:off x="262550" y="457199"/>
+            <a:ext cx="6423434" cy="4473997"/>
           </a:xfrm>
           <a:prstGeom prst="rect">
             <a:avLst/>
           </a:prstGeom>
         </p:spPr>
+      </p:pic>
+      <p:sp>
+        <p:nvSpPr>
+          <p:cNvPr id="7" name="Rectangle 6"/>
+          <p:cNvSpPr/>
+          <p:nvPr/>
+        </p:nvSpPr>
+        <p:spPr>
+          <a:xfrm>
+            <a:off x="182168" y="457199"/>
+            <a:ext cx="2262158" cy="369332"/>
+          </a:xfrm>
+          <a:prstGeom prst="rect">
+            <a:avLst/>
+          </a:prstGeom>
+        </p:spPr>
         <p:txBody>
           <a:bodyPr wrap="none">
             <a:spAutoFit/>
@@ -5130,7 +6375,7 @@
           <a:p>
             <a:r>
               <a:rPr lang="en-US" dirty="0" smtClean="0"/>
-              <a:t>The steps:</a:t>
+              <a:t>How Many Reads??</a:t>
             </a:r>
             <a:endParaRPr lang="en-US" dirty="0"/>
           </a:p>
@@ -5139,7 +6384,7 @@
     </p:spTree>
     <p:extLst>
       <p:ext uri="{BB962C8B-B14F-4D97-AF65-F5344CB8AC3E}">
-        <p14:creationId xmlns:p14="http://schemas.microsoft.com/office/powerpoint/2010/main" val="1744453981"/>
+        <p14:creationId xmlns:p14="http://schemas.microsoft.com/office/powerpoint/2010/main" val="467668519"/>
       </p:ext>
     </p:extLst>
   </p:cSld>
@@ -5197,14 +6442,7 @@
           <a:p>
             <a:r>
               <a:rPr lang="en-US" sz="2400" cap="small" dirty="0" smtClean="0"/>
-              <a:t>Transcriptome </a:t>
-            </a:r>
-            <a:br>
-              <a:rPr lang="en-US" sz="2400" cap="small" dirty="0" smtClean="0"/>
-            </a:br>
-            <a:r>
-              <a:rPr lang="en-US" sz="2400" cap="small" dirty="0" smtClean="0"/>
-              <a:t>Assembly</a:t>
+              <a:t>Transcriptome Assembly</a:t>
             </a:r>
             <a:endParaRPr lang="en-US" sz="2400" cap="small" dirty="0"/>
           </a:p>
@@ -5233,38 +6471,9 @@
           </a:p>
         </p:txBody>
       </p:sp>
-      <p:sp>
-        <p:nvSpPr>
-          <p:cNvPr id="3" name="Rectangle 2"/>
-          <p:cNvSpPr/>
-          <p:nvPr/>
-        </p:nvSpPr>
-        <p:spPr>
-          <a:xfrm>
-            <a:off x="175818" y="729734"/>
-            <a:ext cx="804516" cy="369332"/>
-          </a:xfrm>
-          <a:prstGeom prst="rect">
-            <a:avLst/>
-          </a:prstGeom>
-        </p:spPr>
-        <p:txBody>
-          <a:bodyPr wrap="none">
-            <a:spAutoFit/>
-          </a:bodyPr>
-          <a:lstStyle/>
-          <a:p>
-            <a:r>
-              <a:rPr lang="en-US" dirty="0" smtClean="0"/>
-              <a:t>Trinity</a:t>
-            </a:r>
-            <a:endParaRPr lang="en-US" dirty="0"/>
-          </a:p>
-        </p:txBody>
-      </p:sp>
       <p:pic>
         <p:nvPicPr>
-          <p:cNvPr id="5" name="Picture 4" descr="Screen Shot 2014-10-23 at 3.32.10 PM.png"/>
+          <p:cNvPr id="5" name="Picture 4"/>
           <p:cNvPicPr>
             <a:picLocks noChangeAspect="1"/>
           </p:cNvPicPr>
@@ -5284,18 +6493,47 @@
         </p:blipFill>
         <p:spPr>
           <a:xfrm>
-            <a:off x="2671604" y="44450"/>
-            <a:ext cx="4186396" cy="4722814"/>
+            <a:off x="210870" y="542729"/>
+            <a:ext cx="6360059" cy="4429855"/>
           </a:xfrm>
           <a:prstGeom prst="rect">
             <a:avLst/>
           </a:prstGeom>
         </p:spPr>
       </p:pic>
+      <p:sp>
+        <p:nvSpPr>
+          <p:cNvPr id="6" name="Rectangle 5"/>
+          <p:cNvSpPr/>
+          <p:nvPr/>
+        </p:nvSpPr>
+        <p:spPr>
+          <a:xfrm>
+            <a:off x="182168" y="457199"/>
+            <a:ext cx="2262158" cy="369332"/>
+          </a:xfrm>
+          <a:prstGeom prst="rect">
+            <a:avLst/>
+          </a:prstGeom>
+        </p:spPr>
+        <p:txBody>
+          <a:bodyPr wrap="none">
+            <a:spAutoFit/>
+          </a:bodyPr>
+          <a:lstStyle/>
+          <a:p>
+            <a:r>
+              <a:rPr lang="en-US" dirty="0" smtClean="0"/>
+              <a:t>How Many Reads??</a:t>
+            </a:r>
+            <a:endParaRPr lang="en-US" dirty="0"/>
+          </a:p>
+        </p:txBody>
+      </p:sp>
     </p:spTree>
     <p:extLst>
       <p:ext uri="{BB962C8B-B14F-4D97-AF65-F5344CB8AC3E}">
-        <p14:creationId xmlns:p14="http://schemas.microsoft.com/office/powerpoint/2010/main" val="1806467817"/>
+        <p14:creationId xmlns:p14="http://schemas.microsoft.com/office/powerpoint/2010/main" val="1834034434"/>
       </p:ext>
     </p:extLst>
   </p:cSld>
@@ -5353,14 +6591,7 @@
           <a:p>
             <a:r>
               <a:rPr lang="en-US" sz="2400" cap="small" dirty="0" smtClean="0"/>
-              <a:t>Transcriptome </a:t>
-            </a:r>
-            <a:br>
-              <a:rPr lang="en-US" sz="2400" cap="small" dirty="0" smtClean="0"/>
-            </a:br>
-            <a:r>
-              <a:rPr lang="en-US" sz="2400" cap="small" dirty="0" smtClean="0"/>
-              <a:t>Assembly</a:t>
+              <a:t>Transcriptome Assembly</a:t>
             </a:r>
             <a:endParaRPr lang="en-US" sz="2400" cap="small" dirty="0"/>
           </a:p>
@@ -5389,50 +6620,40 @@
           </a:p>
         </p:txBody>
       </p:sp>
-      <p:sp>
-        <p:nvSpPr>
-          <p:cNvPr id="3" name="Rectangle 2"/>
-          <p:cNvSpPr/>
+      <p:pic>
+        <p:nvPicPr>
+          <p:cNvPr id="3" name="Picture 2"/>
+          <p:cNvPicPr>
+            <a:picLocks noChangeAspect="1"/>
+          </p:cNvPicPr>
           <p:nvPr/>
-        </p:nvSpPr>
-        <p:spPr>
-          <a:xfrm>
-            <a:off x="224858" y="1142484"/>
-            <a:ext cx="5390130" cy="615553"/>
+        </p:nvPicPr>
+        <p:blipFill>
+          <a:blip r:embed="rId3">
+            <a:extLst>
+              <a:ext uri="{28A0092B-C50C-407E-A947-70E740481C1C}">
+                <a14:useLocalDpi xmlns:a14="http://schemas.microsoft.com/office/drawing/2010/main" val="0"/>
+              </a:ext>
+            </a:extLst>
+          </a:blip>
+          <a:stretch>
+            <a:fillRect/>
+          </a:stretch>
+        </p:blipFill>
+        <p:spPr>
+          <a:xfrm>
+            <a:off x="0" y="16347"/>
+            <a:ext cx="6858000" cy="5076477"/>
           </a:xfrm>
           <a:prstGeom prst="rect">
             <a:avLst/>
           </a:prstGeom>
         </p:spPr>
-        <p:txBody>
-          <a:bodyPr wrap="none">
-            <a:spAutoFit/>
-          </a:bodyPr>
-          <a:lstStyle/>
-          <a:p>
-            <a:pPr marL="0" lvl="1"/>
-            <a:r>
-              <a:rPr lang="en-US" sz="1600" dirty="0">
-                <a:latin typeface="Avenir Book"/>
-                <a:cs typeface="Avenir Book"/>
-                <a:hlinkClick r:id="rId3"/>
-              </a:rPr>
-              <a:t>http://www.broadinstitute.org/videos/trinity-how-it-works</a:t>
-            </a:r>
-            <a:endParaRPr lang="en-US" sz="1600" dirty="0">
-              <a:latin typeface="Avenir Book"/>
-              <a:cs typeface="Avenir Book"/>
-            </a:endParaRPr>
-          </a:p>
-          <a:p>
-            <a:endParaRPr lang="en-US" dirty="0"/>
-          </a:p>
-        </p:txBody>
-      </p:sp>
+      </p:pic>
     </p:spTree>
     <p:extLst>
       <p:ext uri="{BB962C8B-B14F-4D97-AF65-F5344CB8AC3E}">
-        <p14:creationId xmlns:p14="http://schemas.microsoft.com/office/powerpoint/2010/main" val="910938446"/>
+        <p14:creationId xmlns:p14="http://schemas.microsoft.com/office/powerpoint/2010/main" val="586575384"/>
       </p:ext>
     </p:extLst>
   </p:cSld>

--- a/_static/MacManes_transcriptome.pptx
+++ b/_static/MacManes_transcriptome.pptx
@@ -5,10 +5,10 @@
     <p:sldMasterId id="2147484385" r:id="rId1"/>
   </p:sldMasterIdLst>
   <p:notesMasterIdLst>
-    <p:notesMasterId r:id="rId16"/>
+    <p:notesMasterId r:id="rId15"/>
   </p:notesMasterIdLst>
   <p:handoutMasterIdLst>
-    <p:handoutMasterId r:id="rId17"/>
+    <p:handoutMasterId r:id="rId16"/>
   </p:handoutMasterIdLst>
   <p:sldIdLst>
     <p:sldId id="481" r:id="rId2"/>
@@ -24,7 +24,6 @@
     <p:sldId id="499" r:id="rId12"/>
     <p:sldId id="497" r:id="rId13"/>
     <p:sldId id="498" r:id="rId14"/>
-    <p:sldId id="488" r:id="rId15"/>
   </p:sldIdLst>
   <p:sldSz cx="6858000" cy="5143500"/>
   <p:notesSz cx="6858000" cy="9144000"/>
@@ -1109,95 +1108,6 @@
     <p:extLst>
       <p:ext uri="{BB962C8B-B14F-4D97-AF65-F5344CB8AC3E}">
         <p14:creationId xmlns:p14="http://schemas.microsoft.com/office/powerpoint/2010/main" val="1316668749"/>
-      </p:ext>
-    </p:extLst>
-  </p:cSld>
-  <p:clrMapOvr>
-    <a:masterClrMapping/>
-  </p:clrMapOvr>
-</p:notes>
-</file>
-
-<file path=ppt/notesSlides/notesSlide14.xml><?xml version="1.0" encoding="utf-8"?>
-<p:notes xmlns:a="http://schemas.openxmlformats.org/drawingml/2006/main" xmlns:r="http://schemas.openxmlformats.org/officeDocument/2006/relationships" xmlns:p="http://schemas.openxmlformats.org/presentationml/2006/main">
-  <p:cSld>
-    <p:spTree>
-      <p:nvGrpSpPr>
-        <p:cNvPr id="1" name=""/>
-        <p:cNvGrpSpPr/>
-        <p:nvPr/>
-      </p:nvGrpSpPr>
-      <p:grpSpPr>
-        <a:xfrm>
-          <a:off x="0" y="0"/>
-          <a:ext cx="0" cy="0"/>
-          <a:chOff x="0" y="0"/>
-          <a:chExt cx="0" cy="0"/>
-        </a:xfrm>
-      </p:grpSpPr>
-      <p:sp>
-        <p:nvSpPr>
-          <p:cNvPr id="2" name="Slide Image Placeholder 1"/>
-          <p:cNvSpPr>
-            <a:spLocks noGrp="1" noRot="1" noChangeAspect="1"/>
-          </p:cNvSpPr>
-          <p:nvPr>
-            <p:ph type="sldImg"/>
-          </p:nvPr>
-        </p:nvSpPr>
-        <p:spPr>
-          <a:xfrm>
-            <a:off x="1143000" y="685800"/>
-            <a:ext cx="4572000" cy="3429000"/>
-          </a:xfrm>
-        </p:spPr>
-      </p:sp>
-      <p:sp>
-        <p:nvSpPr>
-          <p:cNvPr id="3" name="Notes Placeholder 2"/>
-          <p:cNvSpPr>
-            <a:spLocks noGrp="1"/>
-          </p:cNvSpPr>
-          <p:nvPr>
-            <p:ph type="body" idx="1"/>
-          </p:nvPr>
-        </p:nvSpPr>
-        <p:spPr/>
-        <p:txBody>
-          <a:bodyPr/>
-          <a:lstStyle/>
-          <a:p>
-            <a:endParaRPr lang="en-US" dirty="0"/>
-          </a:p>
-        </p:txBody>
-      </p:sp>
-      <p:sp>
-        <p:nvSpPr>
-          <p:cNvPr id="4" name="Slide Number Placeholder 3"/>
-          <p:cNvSpPr>
-            <a:spLocks noGrp="1"/>
-          </p:cNvSpPr>
-          <p:nvPr>
-            <p:ph type="sldNum" sz="quarter" idx="10"/>
-          </p:nvPr>
-        </p:nvSpPr>
-        <p:spPr/>
-        <p:txBody>
-          <a:bodyPr/>
-          <a:lstStyle/>
-          <a:p>
-            <a:fld id="{18427A96-B778-4545-889E-C8BA695B80B4}" type="slidenum">
-              <a:rPr lang="en-US" smtClean="0"/>
-              <a:t>14</a:t>
-            </a:fld>
-            <a:endParaRPr lang="en-US"/>
-          </a:p>
-        </p:txBody>
-      </p:sp>
-    </p:spTree>
-    <p:extLst>
-      <p:ext uri="{BB962C8B-B14F-4D97-AF65-F5344CB8AC3E}">
-        <p14:creationId xmlns:p14="http://schemas.microsoft.com/office/powerpoint/2010/main" val="731542459"/>
       </p:ext>
     </p:extLst>
   </p:cSld>
@@ -5411,143 +5321,6 @@
     <p:extLst>
       <p:ext uri="{BB962C8B-B14F-4D97-AF65-F5344CB8AC3E}">
         <p14:creationId xmlns:p14="http://schemas.microsoft.com/office/powerpoint/2010/main" val="1901087545"/>
-      </p:ext>
-    </p:extLst>
-  </p:cSld>
-  <p:clrMapOvr>
-    <a:masterClrMapping/>
-  </p:clrMapOvr>
-  <p:timing>
-    <p:tnLst>
-      <p:par>
-        <p:cTn id="1" dur="indefinite" restart="never" nodeType="tmRoot"/>
-      </p:par>
-    </p:tnLst>
-  </p:timing>
-</p:sld>
-</file>
-
-<file path=ppt/slides/slide14.xml><?xml version="1.0" encoding="utf-8"?>
-<p:sld xmlns:a="http://schemas.openxmlformats.org/drawingml/2006/main" xmlns:r="http://schemas.openxmlformats.org/officeDocument/2006/relationships" xmlns:p="http://schemas.openxmlformats.org/presentationml/2006/main">
-  <p:cSld>
-    <p:spTree>
-      <p:nvGrpSpPr>
-        <p:cNvPr id="1" name=""/>
-        <p:cNvGrpSpPr/>
-        <p:nvPr/>
-      </p:nvGrpSpPr>
-      <p:grpSpPr>
-        <a:xfrm>
-          <a:off x="0" y="0"/>
-          <a:ext cx="0" cy="0"/>
-          <a:chOff x="0" y="0"/>
-          <a:chExt cx="0" cy="0"/>
-        </a:xfrm>
-      </p:grpSpPr>
-      <p:sp>
-        <p:nvSpPr>
-          <p:cNvPr id="2" name="Title 1"/>
-          <p:cNvSpPr>
-            <a:spLocks noGrp="1"/>
-          </p:cNvSpPr>
-          <p:nvPr>
-            <p:ph type="title"/>
-          </p:nvPr>
-        </p:nvSpPr>
-        <p:spPr>
-          <a:xfrm>
-            <a:off x="0" y="-1"/>
-            <a:ext cx="6781800" cy="914401"/>
-          </a:xfrm>
-        </p:spPr>
-        <p:txBody>
-          <a:bodyPr anchor="t">
-            <a:normAutofit/>
-          </a:bodyPr>
-          <a:lstStyle/>
-          <a:p>
-            <a:r>
-              <a:rPr lang="en-US" sz="2400" cap="small" dirty="0" smtClean="0"/>
-              <a:t>Transcriptome </a:t>
-            </a:r>
-            <a:br>
-              <a:rPr lang="en-US" sz="2400" cap="small" dirty="0" smtClean="0"/>
-            </a:br>
-            <a:r>
-              <a:rPr lang="en-US" sz="2400" cap="small" dirty="0" smtClean="0"/>
-              <a:t>Assembly</a:t>
-            </a:r>
-            <a:endParaRPr lang="en-US" sz="2400" cap="small" dirty="0"/>
-          </a:p>
-        </p:txBody>
-      </p:sp>
-      <p:sp>
-        <p:nvSpPr>
-          <p:cNvPr id="4" name="Slide Number Placeholder 3"/>
-          <p:cNvSpPr>
-            <a:spLocks noGrp="1"/>
-          </p:cNvSpPr>
-          <p:nvPr>
-            <p:ph type="sldNum" sz="quarter" idx="12"/>
-          </p:nvPr>
-        </p:nvSpPr>
-        <p:spPr/>
-        <p:txBody>
-          <a:bodyPr/>
-          <a:lstStyle/>
-          <a:p>
-            <a:fld id="{7F5CE407-6216-4202-80E4-A30DC2F709B2}" type="slidenum">
-              <a:rPr lang="en-US" smtClean="0"/>
-              <a:t>14</a:t>
-            </a:fld>
-            <a:endParaRPr lang="en-US"/>
-          </a:p>
-        </p:txBody>
-      </p:sp>
-      <p:sp>
-        <p:nvSpPr>
-          <p:cNvPr id="3" name="Rectangle 2"/>
-          <p:cNvSpPr/>
-          <p:nvPr/>
-        </p:nvSpPr>
-        <p:spPr>
-          <a:xfrm>
-            <a:off x="224858" y="1142484"/>
-            <a:ext cx="5390130" cy="615553"/>
-          </a:xfrm>
-          <a:prstGeom prst="rect">
-            <a:avLst/>
-          </a:prstGeom>
-        </p:spPr>
-        <p:txBody>
-          <a:bodyPr wrap="none">
-            <a:spAutoFit/>
-          </a:bodyPr>
-          <a:lstStyle/>
-          <a:p>
-            <a:pPr marL="0" lvl="1"/>
-            <a:r>
-              <a:rPr lang="en-US" sz="1600" dirty="0">
-                <a:latin typeface="Avenir Book"/>
-                <a:cs typeface="Avenir Book"/>
-                <a:hlinkClick r:id="rId3"/>
-              </a:rPr>
-              <a:t>http://www.broadinstitute.org/videos/trinity-how-it-works</a:t>
-            </a:r>
-            <a:endParaRPr lang="en-US" sz="1600" dirty="0">
-              <a:latin typeface="Avenir Book"/>
-              <a:cs typeface="Avenir Book"/>
-            </a:endParaRPr>
-          </a:p>
-          <a:p>
-            <a:endParaRPr lang="en-US" dirty="0"/>
-          </a:p>
-        </p:txBody>
-      </p:sp>
-    </p:spTree>
-    <p:extLst>
-      <p:ext uri="{BB962C8B-B14F-4D97-AF65-F5344CB8AC3E}">
-        <p14:creationId xmlns:p14="http://schemas.microsoft.com/office/powerpoint/2010/main" val="910938446"/>
       </p:ext>
     </p:extLst>
   </p:cSld>

--- a/_static/MacManes_transcriptome.pptx
+++ b/_static/MacManes_transcriptome.pptx
@@ -5448,8 +5448,13 @@
           <a:p>
             <a:r>
               <a:rPr lang="en-US" dirty="0" smtClean="0"/>
-              <a:t>How many reads</a:t>
-            </a:r>
+              <a:t>How </a:t>
+            </a:r>
+            <a:r>
+              <a:rPr lang="en-US" smtClean="0"/>
+              <a:t>many reads and how long</a:t>
+            </a:r>
+            <a:endParaRPr lang="en-US" dirty="0" smtClean="0"/>
           </a:p>
           <a:p>
             <a:endParaRPr lang="en-US" dirty="0"/>
